--- a/게임 엔진2 기획서.pptx
+++ b/게임 엔진2 기획서.pptx
@@ -3807,7 +3807,7 @@
               </a:lnSpc>
             </a:pPr>
             <a:r>
-              <a:rPr lang="en-US" altLang="ko-KR" sz="900" dirty="0" smtClean="0">
+              <a:rPr lang="en-US" altLang="ko-KR" sz="900" dirty="0">
                 <a:solidFill>
                   <a:prstClr val="white"/>
                 </a:solidFill>
@@ -3823,7 +3823,7 @@
               </a:lnSpc>
             </a:pPr>
             <a:r>
-              <a:rPr lang="en-US" altLang="ko-KR" sz="900" dirty="0" smtClean="0">
+              <a:rPr lang="en-US" altLang="ko-KR" sz="900" dirty="0">
                 <a:solidFill>
                   <a:prstClr val="white"/>
                 </a:solidFill>
@@ -3839,7 +3839,7 @@
               </a:lnSpc>
             </a:pPr>
             <a:r>
-              <a:rPr lang="en-US" altLang="ko-KR" sz="900" dirty="0" smtClean="0">
+              <a:rPr lang="en-US" altLang="ko-KR" sz="900" dirty="0">
                 <a:solidFill>
                   <a:prstClr val="white"/>
                 </a:solidFill>
@@ -3855,7 +3855,7 @@
               </a:lnSpc>
             </a:pPr>
             <a:r>
-              <a:rPr lang="en-US" altLang="ko-KR" sz="900" dirty="0" smtClean="0">
+              <a:rPr lang="en-US" altLang="ko-KR" sz="900" dirty="0">
                 <a:solidFill>
                   <a:prstClr val="white"/>
                 </a:solidFill>
@@ -3906,30 +3906,22 @@
               </a:lnSpc>
             </a:pPr>
             <a:r>
-              <a:rPr lang="en-US" altLang="ko-KR" sz="1400" b="1" u="sng" dirty="0" smtClean="0">
+              <a:rPr lang="en-US" altLang="ko-KR" sz="1400" b="1" u="sng" dirty="0">
                 <a:solidFill>
                   <a:srgbClr val="C5A48D"/>
                 </a:solidFill>
               </a:rPr>
-              <a:t>2016182020 </a:t>
-            </a:r>
-            <a:r>
-              <a:rPr lang="en-US" altLang="ko-KR" sz="1400" b="1" u="sng" dirty="0">
+              <a:t>2016182020 / </a:t>
+            </a:r>
+            <a:r>
+              <a:rPr lang="ko-KR" altLang="en-US" sz="1400" b="1" u="sng" dirty="0">
                 <a:solidFill>
                   <a:srgbClr val="C5A48D"/>
                 </a:solidFill>
               </a:rPr>
-              <a:t>/ </a:t>
-            </a:r>
-            <a:r>
-              <a:rPr lang="ko-KR" altLang="en-US" sz="1400" b="1" u="sng" dirty="0" smtClean="0">
-                <a:solidFill>
-                  <a:srgbClr val="C5A48D"/>
-                </a:solidFill>
-              </a:rPr>
               <a:t>소준</a:t>
             </a:r>
-            <a:endParaRPr lang="en-US" altLang="ko-KR" sz="1400" b="1" u="sng" dirty="0" smtClean="0">
+            <a:endParaRPr lang="en-US" altLang="ko-KR" sz="1400" b="1" u="sng" dirty="0">
               <a:solidFill>
                 <a:srgbClr val="C5A48D"/>
               </a:solidFill>
@@ -3942,23 +3934,15 @@
               </a:lnSpc>
             </a:pPr>
             <a:r>
-              <a:rPr lang="en-US" altLang="ko-KR" sz="1400" b="1" u="sng" dirty="0" smtClean="0">
+              <a:rPr lang="en-US" altLang="ko-KR" sz="1400" b="1" u="sng" dirty="0">
                 <a:solidFill>
                   <a:srgbClr val="C5A48D"/>
                 </a:solidFill>
               </a:rPr>
-              <a:t>2016182027 </a:t>
-            </a:r>
-            <a:r>
-              <a:rPr lang="en-US" altLang="ko-KR" sz="1400" b="1" u="sng" dirty="0">
-                <a:solidFill>
-                  <a:srgbClr val="C5A48D"/>
-                </a:solidFill>
-              </a:rPr>
-              <a:t>/ </a:t>
-            </a:r>
-            <a:r>
-              <a:rPr lang="ko-KR" altLang="en-US" sz="1400" b="1" u="sng" dirty="0" smtClean="0">
+              <a:t>2016182027 / </a:t>
+            </a:r>
+            <a:r>
+              <a:rPr lang="ko-KR" altLang="en-US" sz="1400" b="1" u="sng" dirty="0">
                 <a:solidFill>
                   <a:srgbClr val="C5A48D"/>
                 </a:solidFill>
@@ -4007,7 +3991,7 @@
               <a:defRPr/>
             </a:pPr>
             <a:r>
-              <a:rPr lang="ko-KR" altLang="en-US" sz="5400" b="1" kern="0" dirty="0" smtClean="0">
+              <a:rPr lang="ko-KR" altLang="en-US" sz="5400" b="1" kern="0" dirty="0">
                 <a:solidFill>
                   <a:prstClr val="white"/>
                 </a:solidFill>
@@ -4015,7 +3999,7 @@
               <a:t>게임 엔진</a:t>
             </a:r>
             <a:r>
-              <a:rPr lang="en-US" altLang="ko-KR" sz="5400" b="1" kern="0" dirty="0" smtClean="0">
+              <a:rPr lang="en-US" altLang="ko-KR" sz="5400" b="1" kern="0" dirty="0">
                 <a:solidFill>
                   <a:prstClr val="white"/>
                 </a:solidFill>
@@ -4023,7 +4007,7 @@
               <a:t>2 </a:t>
             </a:r>
             <a:r>
-              <a:rPr lang="ko-KR" altLang="en-US" sz="5400" b="1" kern="0" dirty="0" smtClean="0">
+              <a:rPr lang="ko-KR" altLang="en-US" sz="5400" b="1" kern="0" dirty="0">
                 <a:solidFill>
                   <a:prstClr val="white"/>
                 </a:solidFill>
@@ -4044,7 +4028,7 @@
               <a:defRPr/>
             </a:pPr>
             <a:r>
-              <a:rPr lang="ko-KR" altLang="en-US" sz="1000" kern="0" dirty="0" smtClean="0">
+              <a:rPr lang="ko-KR" altLang="en-US" sz="1000" kern="0" dirty="0">
                 <a:solidFill>
                   <a:srgbClr val="8899B2"/>
                 </a:solidFill>
@@ -4069,13 +4053,6 @@
   <p:clrMapOvr>
     <a:masterClrMapping/>
   </p:clrMapOvr>
-  <p:timing>
-    <p:tnLst>
-      <p:par>
-        <p:cTn id="1" dur="indefinite" restart="never" nodeType="tmRoot"/>
-      </p:par>
-    </p:tnLst>
-  </p:timing>
 </p:sld>
 </file>
 
@@ -4144,18 +4121,13 @@
               <a:defRPr/>
             </a:pPr>
             <a:r>
-              <a:rPr lang="en-US" altLang="ko-KR" sz="2000" b="1" kern="0" dirty="0" smtClean="0">
+              <a:rPr lang="en-US" altLang="ko-KR" sz="2000" b="1" kern="0" dirty="0">
                 <a:solidFill>
                   <a:prstClr val="white"/>
                 </a:solidFill>
               </a:rPr>
               <a:t>Last Project</a:t>
             </a:r>
-            <a:endParaRPr lang="en-US" altLang="ko-KR" sz="2000" b="1" kern="0" dirty="0">
-              <a:solidFill>
-                <a:prstClr val="white"/>
-              </a:solidFill>
-            </a:endParaRPr>
           </a:p>
         </p:txBody>
       </p:sp>
@@ -4279,7 +4251,7 @@
               </a:lnSpc>
             </a:pPr>
             <a:r>
-              <a:rPr lang="en-US" altLang="ko-KR" sz="1600" b="1" i="1" dirty="0" smtClean="0">
+              <a:rPr lang="en-US" altLang="ko-KR" sz="1600" b="1" i="1" dirty="0">
                 <a:solidFill>
                   <a:prstClr val="white"/>
                 </a:solidFill>
@@ -4287,7 +4259,7 @@
               </a:rPr>
               <a:t>Concept &amp; Story</a:t>
             </a:r>
-            <a:endParaRPr lang="en-US" altLang="ko-KR" sz="1200" i="1" dirty="0" smtClean="0">
+            <a:endParaRPr lang="en-US" altLang="ko-KR" sz="1200" i="1" dirty="0">
               <a:solidFill>
                 <a:prstClr val="white"/>
               </a:solidFill>
@@ -4302,7 +4274,7 @@
               <a:defRPr/>
             </a:pPr>
             <a:r>
-              <a:rPr lang="en-US" altLang="ko-KR" sz="1600" b="1" i="1" dirty="0" smtClean="0">
+              <a:rPr lang="en-US" altLang="ko-KR" sz="1600" b="1" i="1" dirty="0">
                 <a:solidFill>
                   <a:srgbClr val="8899B2"/>
                 </a:solidFill>
@@ -4325,7 +4297,7 @@
               <a:defRPr/>
             </a:pPr>
             <a:r>
-              <a:rPr lang="en-US" altLang="ko-KR" sz="1600" b="1" i="1" dirty="0" smtClean="0">
+              <a:rPr lang="en-US" altLang="ko-KR" sz="1600" b="1" i="1" dirty="0">
                 <a:solidFill>
                   <a:srgbClr val="8899B2"/>
                 </a:solidFill>
@@ -4375,14 +4347,14 @@
               </a:lnSpc>
             </a:pPr>
             <a:r>
-              <a:rPr lang="ko-KR" altLang="en-US" sz="1600" b="1" dirty="0" smtClean="0">
+              <a:rPr lang="ko-KR" altLang="en-US" sz="1600" b="1" dirty="0">
                 <a:solidFill>
                   <a:prstClr val="white"/>
                 </a:solidFill>
               </a:rPr>
               <a:t>게임 컨셉</a:t>
             </a:r>
-            <a:endParaRPr lang="en-US" altLang="ko-KR" sz="1600" b="1" dirty="0" smtClean="0">
+            <a:endParaRPr lang="en-US" altLang="ko-KR" sz="1600" b="1" dirty="0">
               <a:solidFill>
                 <a:prstClr val="white"/>
               </a:solidFill>
@@ -4397,7 +4369,7 @@
               <a:buChar char="•"/>
             </a:pPr>
             <a:r>
-              <a:rPr lang="en-US" altLang="ko-KR" sz="1200" b="1" dirty="0" smtClean="0">
+              <a:rPr lang="en-US" altLang="ko-KR" sz="1200" b="1" dirty="0">
                 <a:solidFill>
                   <a:prstClr val="white"/>
                 </a:solidFill>
@@ -4405,7 +4377,7 @@
               <a:t>3</a:t>
             </a:r>
             <a:r>
-              <a:rPr lang="ko-KR" altLang="en-US" sz="1200" b="1" dirty="0" smtClean="0">
+              <a:rPr lang="ko-KR" altLang="en-US" sz="1200" b="1" dirty="0">
                 <a:solidFill>
                   <a:prstClr val="white"/>
                 </a:solidFill>
@@ -4413,7 +4385,7 @@
               <a:t>인칭 </a:t>
             </a:r>
             <a:r>
-              <a:rPr lang="ko-KR" altLang="en-US" sz="1200" b="1" dirty="0" err="1" smtClean="0">
+              <a:rPr lang="ko-KR" altLang="en-US" sz="1200" b="1" dirty="0" err="1">
                 <a:solidFill>
                   <a:prstClr val="white"/>
                 </a:solidFill>
@@ -4421,14 +4393,14 @@
               <a:t>쿼터뷰</a:t>
             </a:r>
             <a:r>
-              <a:rPr lang="ko-KR" altLang="en-US" sz="1200" b="1" dirty="0" smtClean="0">
+              <a:rPr lang="ko-KR" altLang="en-US" sz="1200" b="1" dirty="0">
                 <a:solidFill>
                   <a:prstClr val="white"/>
                 </a:solidFill>
               </a:rPr>
               <a:t> 게임</a:t>
             </a:r>
-            <a:endParaRPr lang="en-US" altLang="ko-KR" sz="1200" b="1" dirty="0" smtClean="0">
+            <a:endParaRPr lang="en-US" altLang="ko-KR" sz="1200" b="1" dirty="0">
               <a:solidFill>
                 <a:prstClr val="white"/>
               </a:solidFill>
@@ -4443,7 +4415,7 @@
               <a:buChar char="•"/>
             </a:pPr>
             <a:r>
-              <a:rPr lang="en-US" altLang="ko-KR" sz="1200" b="1" dirty="0" smtClean="0">
+              <a:rPr lang="en-US" altLang="ko-KR" sz="1200" b="1" dirty="0">
                 <a:solidFill>
                   <a:prstClr val="white"/>
                 </a:solidFill>
@@ -4486,14 +4458,14 @@
               </a:lnSpc>
             </a:pPr>
             <a:r>
-              <a:rPr lang="ko-KR" altLang="en-US" sz="1600" b="1" dirty="0" smtClean="0">
+              <a:rPr lang="ko-KR" altLang="en-US" sz="1600" b="1" dirty="0">
                 <a:solidFill>
                   <a:prstClr val="white"/>
                 </a:solidFill>
               </a:rPr>
               <a:t>스토리</a:t>
             </a:r>
-            <a:endParaRPr lang="en-US" altLang="ko-KR" sz="1600" b="1" dirty="0" smtClean="0">
+            <a:endParaRPr lang="en-US" altLang="ko-KR" sz="1600" b="1" dirty="0">
               <a:solidFill>
                 <a:prstClr val="white"/>
               </a:solidFill>
@@ -4508,7 +4480,7 @@
               <a:buChar char="•"/>
             </a:pPr>
             <a:r>
-              <a:rPr lang="en-US" altLang="ko-KR" sz="1200" b="1" dirty="0" smtClean="0">
+              <a:rPr lang="en-US" altLang="ko-KR" sz="1200" b="1" dirty="0">
                 <a:solidFill>
                   <a:prstClr val="white"/>
                 </a:solidFill>
@@ -4516,7 +4488,7 @@
               <a:t>2080</a:t>
             </a:r>
             <a:r>
-              <a:rPr lang="ko-KR" altLang="en-US" sz="1200" b="1" dirty="0" smtClean="0">
+              <a:rPr lang="ko-KR" altLang="en-US" sz="1200" b="1" dirty="0">
                 <a:solidFill>
                   <a:prstClr val="white"/>
                 </a:solidFill>
@@ -4524,7 +4496,7 @@
               <a:t>년 인간을 도와주던 로봇이 이상 변화를 일으켜 인간들을 학살하는 전쟁이 시작되었다</a:t>
             </a:r>
             <a:r>
-              <a:rPr lang="en-US" altLang="ko-KR" sz="1200" b="1" dirty="0" smtClean="0">
+              <a:rPr lang="en-US" altLang="ko-KR" sz="1200" b="1" dirty="0">
                 <a:solidFill>
                   <a:prstClr val="white"/>
                 </a:solidFill>
@@ -4532,7 +4504,7 @@
               <a:t>. </a:t>
             </a:r>
             <a:r>
-              <a:rPr lang="ko-KR" altLang="en-US" sz="1200" b="1" dirty="0" smtClean="0">
+              <a:rPr lang="ko-KR" altLang="en-US" sz="1200" b="1" dirty="0">
                 <a:solidFill>
                   <a:prstClr val="white"/>
                 </a:solidFill>
@@ -4540,18 +4512,13 @@
               <a:t>벼랑 끝까지 몰린 정부는 로봇들을 파괴하기 위해 프로젝트를 추진하였다</a:t>
             </a:r>
             <a:r>
-              <a:rPr lang="en-US" altLang="ko-KR" sz="1200" b="1" dirty="0" smtClean="0">
+              <a:rPr lang="en-US" altLang="ko-KR" sz="1200" b="1" dirty="0">
                 <a:solidFill>
                   <a:prstClr val="white"/>
                 </a:solidFill>
               </a:rPr>
               <a:t>. </a:t>
             </a:r>
-            <a:endParaRPr lang="en-US" altLang="ko-KR" sz="1200" b="1" dirty="0">
-              <a:solidFill>
-                <a:prstClr val="white"/>
-              </a:solidFill>
-            </a:endParaRPr>
           </a:p>
         </p:txBody>
       </p:sp>
@@ -4588,14 +4555,14 @@
               </a:lnSpc>
             </a:pPr>
             <a:r>
-              <a:rPr lang="ko-KR" altLang="en-US" sz="1600" b="1" dirty="0" smtClean="0">
+              <a:rPr lang="ko-KR" altLang="en-US" sz="1600" b="1" dirty="0">
                 <a:solidFill>
                   <a:prstClr val="white"/>
                 </a:solidFill>
               </a:rPr>
               <a:t>게임 이름</a:t>
             </a:r>
-            <a:endParaRPr lang="en-US" altLang="ko-KR" sz="1600" b="1" dirty="0" smtClean="0">
+            <a:endParaRPr lang="en-US" altLang="ko-KR" sz="1600" b="1" dirty="0">
               <a:solidFill>
                 <a:prstClr val="white"/>
               </a:solidFill>
@@ -4610,7 +4577,7 @@
               <a:buChar char="•"/>
             </a:pPr>
             <a:r>
-              <a:rPr lang="en-US" altLang="ko-KR" sz="1200" b="1" dirty="0" smtClean="0">
+              <a:rPr lang="en-US" altLang="ko-KR" sz="1200" b="1" dirty="0">
                 <a:solidFill>
                   <a:prstClr val="white"/>
                 </a:solidFill>
@@ -4630,13 +4597,6 @@
   <p:clrMapOvr>
     <a:masterClrMapping/>
   </p:clrMapOvr>
-  <p:timing>
-    <p:tnLst>
-      <p:par>
-        <p:cTn id="1" dur="indefinite" restart="never" nodeType="tmRoot"/>
-      </p:par>
-    </p:tnLst>
-  </p:timing>
 </p:sld>
 </file>
 
@@ -4794,31 +4754,13 @@
               </a:lnSpc>
             </a:pPr>
             <a:r>
-              <a:rPr lang="en-US" altLang="ko-KR" sz="1600" b="1" i="1" dirty="0" smtClean="0">
+              <a:rPr lang="en-US" altLang="ko-KR" sz="1600" b="1" i="1" dirty="0">
                 <a:solidFill>
                   <a:srgbClr val="8899B2"/>
                 </a:solidFill>
                 <a:cs typeface="Aharoni" panose="02010803020104030203" pitchFamily="2" charset="-79"/>
               </a:rPr>
-              <a:t>Concept </a:t>
-            </a:r>
-            <a:r>
-              <a:rPr lang="en-US" altLang="ko-KR" sz="1600" b="1" i="1" dirty="0">
-                <a:solidFill>
-                  <a:srgbClr val="8899B2"/>
-                </a:solidFill>
-                <a:cs typeface="Aharoni" panose="02010803020104030203" pitchFamily="2" charset="-79"/>
-              </a:rPr>
-              <a:t>&amp; </a:t>
-            </a:r>
-            <a:r>
-              <a:rPr lang="en-US" altLang="ko-KR" sz="1600" b="1" i="1" dirty="0" smtClean="0">
-                <a:solidFill>
-                  <a:srgbClr val="8899B2"/>
-                </a:solidFill>
-                <a:cs typeface="Aharoni" panose="02010803020104030203" pitchFamily="2" charset="-79"/>
-              </a:rPr>
-              <a:t>Story</a:t>
+              <a:t>Concept &amp; Story</a:t>
             </a:r>
             <a:endParaRPr lang="ko-KR" altLang="en-US" sz="1200" i="1" dirty="0">
               <a:solidFill>
@@ -4835,7 +4777,7 @@
               <a:defRPr/>
             </a:pPr>
             <a:r>
-              <a:rPr lang="en-US" altLang="ko-KR" sz="1600" b="1" i="1" dirty="0" smtClean="0">
+              <a:rPr lang="en-US" altLang="ko-KR" sz="1600" b="1" i="1" dirty="0">
                 <a:solidFill>
                   <a:prstClr val="white"/>
                 </a:solidFill>
@@ -4843,7 +4785,7 @@
               </a:rPr>
               <a:t>Mechanism</a:t>
             </a:r>
-            <a:endParaRPr lang="ko-KR" altLang="en-US" sz="1200" i="1" dirty="0" smtClean="0">
+            <a:endParaRPr lang="ko-KR" altLang="en-US" sz="1200" i="1" dirty="0">
               <a:solidFill>
                 <a:prstClr val="white"/>
               </a:solidFill>
@@ -4858,7 +4800,7 @@
               <a:defRPr/>
             </a:pPr>
             <a:r>
-              <a:rPr lang="en-US" altLang="ko-KR" sz="1600" b="1" i="1" dirty="0" smtClean="0">
+              <a:rPr lang="en-US" altLang="ko-KR" sz="1600" b="1" i="1" dirty="0">
                 <a:solidFill>
                   <a:srgbClr val="8899B2"/>
                 </a:solidFill>
@@ -4906,18 +4848,13 @@
               <a:defRPr/>
             </a:pPr>
             <a:r>
-              <a:rPr lang="en-US" altLang="ko-KR" sz="2000" b="1" kern="0" dirty="0" smtClean="0">
+              <a:rPr lang="en-US" altLang="ko-KR" sz="2000" b="1" kern="0" dirty="0">
                 <a:solidFill>
                   <a:prstClr val="white"/>
                 </a:solidFill>
               </a:rPr>
               <a:t>Last Project</a:t>
             </a:r>
-            <a:endParaRPr lang="en-US" altLang="ko-KR" sz="2000" b="1" kern="0" dirty="0">
-              <a:solidFill>
-                <a:prstClr val="white"/>
-              </a:solidFill>
-            </a:endParaRPr>
           </a:p>
         </p:txBody>
       </p:sp>
@@ -4954,14 +4891,14 @@
               </a:lnSpc>
             </a:pPr>
             <a:r>
-              <a:rPr lang="ko-KR" altLang="en-US" sz="1600" b="1" dirty="0" smtClean="0">
+              <a:rPr lang="ko-KR" altLang="en-US" sz="1600" b="1" dirty="0">
                 <a:solidFill>
                   <a:prstClr val="white"/>
                 </a:solidFill>
               </a:rPr>
               <a:t>메커니즘</a:t>
             </a:r>
-            <a:endParaRPr lang="en-US" altLang="ko-KR" sz="1200" b="1" dirty="0" smtClean="0">
+            <a:endParaRPr lang="en-US" altLang="ko-KR" sz="1200" b="1" dirty="0">
               <a:solidFill>
                 <a:prstClr val="white"/>
               </a:solidFill>
@@ -4976,14 +4913,14 @@
               <a:buChar char="•"/>
             </a:pPr>
             <a:r>
-              <a:rPr lang="ko-KR" altLang="en-US" sz="1200" b="1" dirty="0" smtClean="0">
+              <a:rPr lang="ko-KR" altLang="en-US" sz="1200" b="1" dirty="0">
                 <a:solidFill>
                   <a:prstClr val="white"/>
                 </a:solidFill>
               </a:rPr>
               <a:t>플레이어와 적과의 상호작용</a:t>
             </a:r>
-            <a:endParaRPr lang="en-US" altLang="ko-KR" sz="1200" b="1" dirty="0" smtClean="0">
+            <a:endParaRPr lang="en-US" altLang="ko-KR" sz="1200" b="1" dirty="0">
               <a:solidFill>
                 <a:prstClr val="white"/>
               </a:solidFill>
@@ -5001,15 +4938,7 @@
                   <a:prstClr val="white"/>
                 </a:solidFill>
               </a:rPr>
-              <a:t> </a:t>
-            </a:r>
-            <a:r>
-              <a:rPr lang="en-US" altLang="ko-KR" sz="1200" b="1" dirty="0" smtClean="0">
-                <a:solidFill>
-                  <a:prstClr val="white"/>
-                </a:solidFill>
-              </a:rPr>
-              <a:t>     -  </a:t>
+              <a:t>      -  </a:t>
             </a:r>
             <a:r>
               <a:rPr lang="ko-KR" altLang="en-US" sz="1200" b="1" dirty="0">
@@ -5061,7 +4990,7 @@
               <a:buFont typeface="Arial" panose="020B0604020202020204" pitchFamily="34" charset="0"/>
               <a:buChar char="•"/>
             </a:pPr>
-            <a:endParaRPr lang="en-US" altLang="ko-KR" sz="1200" b="1" dirty="0" smtClean="0">
+            <a:endParaRPr lang="en-US" altLang="ko-KR" sz="1200" b="1" dirty="0">
               <a:solidFill>
                 <a:prstClr val="white"/>
               </a:solidFill>
@@ -5076,14 +5005,14 @@
               <a:buChar char="•"/>
             </a:pPr>
             <a:r>
-              <a:rPr lang="ko-KR" altLang="en-US" sz="1200" b="1" dirty="0" smtClean="0">
+              <a:rPr lang="ko-KR" altLang="en-US" sz="1200" b="1" dirty="0">
                 <a:solidFill>
                   <a:prstClr val="white"/>
                 </a:solidFill>
               </a:rPr>
               <a:t>플레이어 고유 스킬</a:t>
             </a:r>
-            <a:endParaRPr lang="en-US" altLang="ko-KR" sz="1200" b="1" dirty="0" smtClean="0">
+            <a:endParaRPr lang="en-US" altLang="ko-KR" sz="1200" b="1" dirty="0">
               <a:solidFill>
                 <a:prstClr val="white"/>
               </a:solidFill>
@@ -5096,7 +5025,7 @@
               </a:lnSpc>
             </a:pPr>
             <a:r>
-              <a:rPr lang="en-US" altLang="ko-KR" sz="1200" b="1" dirty="0" smtClean="0">
+              <a:rPr lang="en-US" altLang="ko-KR" sz="1200" b="1" dirty="0">
                 <a:solidFill>
                   <a:prstClr val="white"/>
                 </a:solidFill>
@@ -5104,7 +5033,7 @@
               <a:t>      -  </a:t>
             </a:r>
             <a:r>
-              <a:rPr lang="ko-KR" altLang="en-US" sz="1200" b="1" dirty="0" smtClean="0">
+              <a:rPr lang="ko-KR" altLang="en-US" sz="1200" b="1" dirty="0">
                 <a:solidFill>
                   <a:prstClr val="white"/>
                 </a:solidFill>
@@ -5195,7 +5124,7 @@
               </a:lnSpc>
             </a:pPr>
             <a:r>
-              <a:rPr lang="ko-KR" altLang="en-US" sz="1600" b="1" dirty="0" smtClean="0">
+              <a:rPr lang="ko-KR" altLang="en-US" sz="1600" b="1" dirty="0">
                 <a:solidFill>
                   <a:prstClr val="white"/>
                 </a:solidFill>
@@ -5215,13 +5144,6 @@
   <p:clrMapOvr>
     <a:masterClrMapping/>
   </p:clrMapOvr>
-  <p:timing>
-    <p:tnLst>
-      <p:par>
-        <p:cTn id="1" dur="indefinite" restart="never" nodeType="tmRoot"/>
-      </p:par>
-    </p:tnLst>
-  </p:timing>
 </p:sld>
 </file>
 
@@ -5401,7 +5323,7 @@
               </a:lnSpc>
             </a:pPr>
             <a:r>
-              <a:rPr lang="en-US" altLang="ko-KR" sz="1600" b="1" i="1" dirty="0" smtClean="0">
+              <a:rPr lang="en-US" altLang="ko-KR" sz="1600" b="1" i="1" dirty="0">
                 <a:solidFill>
                   <a:srgbClr val="8899B2"/>
                 </a:solidFill>
@@ -5424,7 +5346,7 @@
               <a:defRPr/>
             </a:pPr>
             <a:r>
-              <a:rPr lang="en-US" altLang="ko-KR" sz="1600" b="1" i="1" dirty="0" smtClean="0">
+              <a:rPr lang="en-US" altLang="ko-KR" sz="1600" b="1" i="1" dirty="0">
                 <a:solidFill>
                   <a:prstClr val="white"/>
                 </a:solidFill>
@@ -5472,18 +5394,13 @@
               <a:defRPr/>
             </a:pPr>
             <a:r>
-              <a:rPr lang="en-US" altLang="ko-KR" sz="2000" b="1" kern="0" dirty="0" smtClean="0">
+              <a:rPr lang="en-US" altLang="ko-KR" sz="2000" b="1" kern="0" dirty="0">
                 <a:solidFill>
                   <a:prstClr val="white"/>
                 </a:solidFill>
               </a:rPr>
               <a:t>Last Project</a:t>
             </a:r>
-            <a:endParaRPr lang="en-US" altLang="ko-KR" sz="2000" b="1" kern="0" dirty="0">
-              <a:solidFill>
-                <a:prstClr val="white"/>
-              </a:solidFill>
-            </a:endParaRPr>
           </a:p>
         </p:txBody>
       </p:sp>
@@ -5541,7 +5458,7 @@
                     <a:p>
                       <a:pPr algn="ctr" latinLnBrk="1"/>
                       <a:r>
-                        <a:rPr kumimoji="0" lang="en-US" altLang="ko-KR" sz="1400" b="1" i="0" u="none" strike="noStrike" kern="1200" cap="none" spc="0" normalizeH="0" baseline="0" noProof="0" dirty="0" smtClean="0">
+                        <a:rPr kumimoji="0" lang="en-US" altLang="ko-KR" sz="1400" b="1" i="0" u="none" strike="noStrike" kern="1200" cap="none" spc="0" normalizeH="0" baseline="0" noProof="0" dirty="0">
                           <a:ln>
                             <a:noFill/>
                           </a:ln>
@@ -5733,7 +5650,7 @@
                     <a:p>
                       <a:pPr algn="ctr" latinLnBrk="1"/>
                       <a:r>
-                        <a:rPr lang="en-US" altLang="ko-KR" sz="1400" dirty="0" smtClean="0">
+                        <a:rPr lang="en-US" altLang="ko-KR" sz="1400" dirty="0">
                           <a:solidFill>
                             <a:schemeClr val="bg1"/>
                           </a:solidFill>
@@ -5741,18 +5658,13 @@
                         <a:t>1</a:t>
                       </a:r>
                       <a:r>
-                        <a:rPr lang="ko-KR" altLang="en-US" sz="1400" dirty="0" smtClean="0">
+                        <a:rPr lang="ko-KR" altLang="en-US" sz="1400" dirty="0">
                           <a:solidFill>
                             <a:schemeClr val="bg1"/>
                           </a:solidFill>
                         </a:rPr>
                         <a:t>주차</a:t>
                       </a:r>
-                      <a:endParaRPr lang="ko-KR" altLang="en-US" sz="1400" dirty="0">
-                        <a:solidFill>
-                          <a:schemeClr val="bg1"/>
-                        </a:solidFill>
-                      </a:endParaRPr>
                     </a:p>
                   </a:txBody>
                   <a:tcPr anchor="ctr">
@@ -5826,7 +5738,7 @@
                         <a:defRPr/>
                       </a:pPr>
                       <a:r>
-                        <a:rPr kumimoji="0" lang="ko-KR" altLang="en-US" sz="1000" b="0" i="0" u="none" strike="noStrike" kern="1200" cap="none" spc="0" normalizeH="0" baseline="0" noProof="0" dirty="0" smtClean="0">
+                        <a:rPr kumimoji="0" lang="ko-KR" altLang="en-US" sz="1000" b="0" i="0" u="none" strike="noStrike" kern="1200" cap="none" spc="0" normalizeH="0" baseline="0" noProof="0" dirty="0">
                           <a:ln>
                             <a:noFill/>
                           </a:ln>
@@ -5842,20 +5754,6 @@
                         </a:rPr>
                         <a:t>리소스 수집</a:t>
                       </a:r>
-                      <a:endParaRPr kumimoji="0" lang="ko-KR" altLang="en-US" sz="1000" b="0" i="0" u="none" strike="noStrike" kern="1200" cap="none" spc="0" normalizeH="0" baseline="0" noProof="0" dirty="0">
-                        <a:ln>
-                          <a:noFill/>
-                        </a:ln>
-                        <a:solidFill>
-                          <a:schemeClr val="bg1"/>
-                        </a:solidFill>
-                        <a:effectLst/>
-                        <a:uLnTx/>
-                        <a:uFillTx/>
-                        <a:latin typeface="+mn-lt"/>
-                        <a:ea typeface="+mn-ea"/>
-                        <a:cs typeface="+mn-cs"/>
-                      </a:endParaRPr>
                     </a:p>
                   </a:txBody>
                   <a:tcPr marL="252000" anchor="ctr">
@@ -5920,7 +5818,7 @@
                     <a:p>
                       <a:pPr algn="ctr" latinLnBrk="1"/>
                       <a:r>
-                        <a:rPr lang="en-US" altLang="ko-KR" sz="1400" dirty="0" smtClean="0">
+                        <a:rPr lang="en-US" altLang="ko-KR" sz="1400" dirty="0">
                           <a:solidFill>
                             <a:schemeClr val="bg1"/>
                           </a:solidFill>
@@ -5928,18 +5826,13 @@
                         <a:t>2</a:t>
                       </a:r>
                       <a:r>
-                        <a:rPr lang="ko-KR" altLang="en-US" sz="1400" dirty="0" smtClean="0">
+                        <a:rPr lang="ko-KR" altLang="en-US" sz="1400" dirty="0">
                           <a:solidFill>
                             <a:schemeClr val="bg1"/>
                           </a:solidFill>
                         </a:rPr>
                         <a:t>주차</a:t>
                       </a:r>
-                      <a:endParaRPr lang="ko-KR" altLang="en-US" sz="1400" dirty="0">
-                        <a:solidFill>
-                          <a:schemeClr val="bg1"/>
-                        </a:solidFill>
-                      </a:endParaRPr>
                     </a:p>
                   </a:txBody>
                   <a:tcPr anchor="ctr">
@@ -6013,7 +5906,7 @@
                         <a:defRPr/>
                       </a:pPr>
                       <a:r>
-                        <a:rPr kumimoji="0" lang="ko-KR" altLang="en-US" sz="1000" b="0" i="0" u="none" strike="noStrike" kern="1200" cap="none" spc="0" normalizeH="0" baseline="0" noProof="0" dirty="0" smtClean="0">
+                        <a:rPr kumimoji="0" lang="ko-KR" altLang="en-US" sz="1000" b="0" i="0" u="none" strike="noStrike" kern="1200" cap="none" spc="0" normalizeH="0" baseline="0" noProof="0" dirty="0">
                           <a:ln>
                             <a:noFill/>
                           </a:ln>
@@ -6029,20 +5922,6 @@
                         </a:rPr>
                         <a:t>맵 구현</a:t>
                       </a:r>
-                      <a:endParaRPr kumimoji="0" lang="ko-KR" altLang="en-US" sz="1000" b="0" i="0" u="none" strike="noStrike" kern="1200" cap="none" spc="0" normalizeH="0" baseline="0" noProof="0" dirty="0">
-                        <a:ln>
-                          <a:noFill/>
-                        </a:ln>
-                        <a:solidFill>
-                          <a:schemeClr val="bg1"/>
-                        </a:solidFill>
-                        <a:effectLst/>
-                        <a:uLnTx/>
-                        <a:uFillTx/>
-                        <a:latin typeface="+mn-lt"/>
-                        <a:ea typeface="+mn-ea"/>
-                        <a:cs typeface="+mn-cs"/>
-                      </a:endParaRPr>
                     </a:p>
                   </a:txBody>
                   <a:tcPr marL="252000" anchor="ctr">
@@ -6107,7 +5986,7 @@
                     <a:p>
                       <a:pPr algn="ctr" latinLnBrk="1"/>
                       <a:r>
-                        <a:rPr lang="en-US" altLang="ko-KR" sz="1400" dirty="0" smtClean="0">
+                        <a:rPr lang="en-US" altLang="ko-KR" sz="1400" dirty="0">
                           <a:solidFill>
                             <a:schemeClr val="bg1"/>
                           </a:solidFill>
@@ -6115,18 +5994,13 @@
                         <a:t>3</a:t>
                       </a:r>
                       <a:r>
-                        <a:rPr lang="ko-KR" altLang="en-US" sz="1400" dirty="0" smtClean="0">
+                        <a:rPr lang="ko-KR" altLang="en-US" sz="1400" dirty="0">
                           <a:solidFill>
                             <a:schemeClr val="bg1"/>
                           </a:solidFill>
                         </a:rPr>
                         <a:t>주차</a:t>
                       </a:r>
-                      <a:endParaRPr lang="ko-KR" altLang="en-US" sz="1400" dirty="0">
-                        <a:solidFill>
-                          <a:schemeClr val="bg1"/>
-                        </a:solidFill>
-                      </a:endParaRPr>
                     </a:p>
                   </a:txBody>
                   <a:tcPr anchor="ctr">
@@ -6200,7 +6074,7 @@
                         <a:defRPr/>
                       </a:pPr>
                       <a:r>
-                        <a:rPr kumimoji="0" lang="ko-KR" altLang="en-US" sz="1000" b="0" i="0" u="none" strike="noStrike" kern="1200" cap="none" spc="0" normalizeH="0" baseline="0" noProof="0" smtClean="0">
+                        <a:rPr kumimoji="0" lang="ko-KR" altLang="en-US" sz="1000" b="0" i="0" u="none" strike="noStrike" kern="1200" cap="none" spc="0" normalizeH="0" baseline="0" noProof="0">
                           <a:ln>
                             <a:noFill/>
                           </a:ln>
@@ -6214,24 +6088,7 @@
                           <a:ea typeface="+mn-ea"/>
                           <a:cs typeface="+mn-cs"/>
                         </a:rPr>
-                        <a:t>플레이어 </a:t>
-                      </a:r>
-                      <a:r>
-                        <a:rPr kumimoji="0" lang="ko-KR" altLang="en-US" sz="1000" b="0" i="0" u="none" strike="noStrike" kern="1200" cap="none" spc="0" normalizeH="0" baseline="0" noProof="0" smtClean="0">
-                          <a:ln>
-                            <a:noFill/>
-                          </a:ln>
-                          <a:solidFill>
-                            <a:schemeClr val="bg1"/>
-                          </a:solidFill>
-                          <a:effectLst/>
-                          <a:uLnTx/>
-                          <a:uFillTx/>
-                          <a:latin typeface="+mn-lt"/>
-                          <a:ea typeface="+mn-ea"/>
-                          <a:cs typeface="+mn-cs"/>
-                        </a:rPr>
-                        <a:t>구현</a:t>
+                        <a:t>플레이어 구현</a:t>
                       </a:r>
                       <a:endParaRPr kumimoji="0" lang="ko-KR" altLang="en-US" sz="1000" b="0" i="0" u="none" strike="noStrike" kern="1200" cap="none" spc="0" normalizeH="0" baseline="0" noProof="0" dirty="0">
                         <a:ln>
@@ -6311,7 +6168,7 @@
                     <a:p>
                       <a:pPr algn="ctr" latinLnBrk="1"/>
                       <a:r>
-                        <a:rPr lang="en-US" altLang="ko-KR" sz="1400" dirty="0" smtClean="0">
+                        <a:rPr lang="en-US" altLang="ko-KR" sz="1400" dirty="0">
                           <a:solidFill>
                             <a:schemeClr val="bg1"/>
                           </a:solidFill>
@@ -6319,18 +6176,13 @@
                         <a:t>4</a:t>
                       </a:r>
                       <a:r>
-                        <a:rPr lang="ko-KR" altLang="en-US" sz="1400" dirty="0" smtClean="0">
+                        <a:rPr lang="ko-KR" altLang="en-US" sz="1400" dirty="0">
                           <a:solidFill>
                             <a:schemeClr val="bg1"/>
                           </a:solidFill>
                         </a:rPr>
                         <a:t>주차</a:t>
                       </a:r>
-                      <a:endParaRPr lang="ko-KR" altLang="en-US" sz="1400" dirty="0">
-                        <a:solidFill>
-                          <a:schemeClr val="bg1"/>
-                        </a:solidFill>
-                      </a:endParaRPr>
                     </a:p>
                   </a:txBody>
                   <a:tcPr anchor="ctr">
@@ -6404,7 +6256,7 @@
                         <a:defRPr/>
                       </a:pPr>
                       <a:r>
-                        <a:rPr kumimoji="0" lang="ko-KR" altLang="en-US" sz="1000" b="0" i="0" u="none" strike="noStrike" kern="1200" cap="none" spc="0" normalizeH="0" baseline="0" noProof="0" dirty="0" smtClean="0">
+                        <a:rPr kumimoji="0" lang="ko-KR" altLang="en-US" sz="1000" b="0" i="0" u="none" strike="noStrike" kern="1200" cap="none" spc="0" normalizeH="0" baseline="0" noProof="0" dirty="0">
                           <a:ln>
                             <a:noFill/>
                           </a:ln>
@@ -6420,20 +6272,6 @@
                         </a:rPr>
                         <a:t>적 구현</a:t>
                       </a:r>
-                      <a:endParaRPr kumimoji="0" lang="ko-KR" altLang="en-US" sz="1000" b="0" i="0" u="none" strike="noStrike" kern="1200" cap="none" spc="0" normalizeH="0" baseline="0" noProof="0" dirty="0">
-                        <a:ln>
-                          <a:noFill/>
-                        </a:ln>
-                        <a:solidFill>
-                          <a:schemeClr val="bg1"/>
-                        </a:solidFill>
-                        <a:effectLst/>
-                        <a:uLnTx/>
-                        <a:uFillTx/>
-                        <a:latin typeface="+mn-lt"/>
-                        <a:ea typeface="+mn-ea"/>
-                        <a:cs typeface="+mn-cs"/>
-                      </a:endParaRPr>
                     </a:p>
                   </a:txBody>
                   <a:tcPr marL="252000" anchor="ctr">
@@ -6498,7 +6336,7 @@
                     <a:p>
                       <a:pPr algn="ctr" latinLnBrk="1"/>
                       <a:r>
-                        <a:rPr lang="en-US" altLang="ko-KR" sz="1400" dirty="0" smtClean="0">
+                        <a:rPr lang="en-US" altLang="ko-KR" sz="1400" dirty="0">
                           <a:solidFill>
                             <a:schemeClr val="bg1"/>
                           </a:solidFill>
@@ -6506,18 +6344,13 @@
                         <a:t>5</a:t>
                       </a:r>
                       <a:r>
-                        <a:rPr lang="ko-KR" altLang="en-US" sz="1400" dirty="0" smtClean="0">
+                        <a:rPr lang="ko-KR" altLang="en-US" sz="1400" dirty="0">
                           <a:solidFill>
                             <a:schemeClr val="bg1"/>
                           </a:solidFill>
                         </a:rPr>
                         <a:t>주차</a:t>
                       </a:r>
-                      <a:endParaRPr lang="ko-KR" altLang="en-US" sz="1400" dirty="0">
-                        <a:solidFill>
-                          <a:schemeClr val="bg1"/>
-                        </a:solidFill>
-                      </a:endParaRPr>
                     </a:p>
                   </a:txBody>
                   <a:tcPr anchor="ctr">
@@ -6591,7 +6424,7 @@
                         <a:defRPr/>
                       </a:pPr>
                       <a:r>
-                        <a:rPr kumimoji="0" lang="en-US" altLang="ko-KR" sz="1000" b="0" i="0" u="none" strike="noStrike" kern="1200" cap="none" spc="0" normalizeH="0" baseline="0" noProof="0" dirty="0" smtClean="0">
+                        <a:rPr kumimoji="0" lang="en-US" altLang="ko-KR" sz="1000" b="0" i="0" u="none" strike="noStrike" kern="1200" cap="none" spc="0" normalizeH="0" baseline="0" noProof="0" dirty="0">
                           <a:ln>
                             <a:noFill/>
                           </a:ln>
@@ -6608,7 +6441,7 @@
                         <a:t>UI </a:t>
                       </a:r>
                       <a:r>
-                        <a:rPr kumimoji="0" lang="ko-KR" altLang="en-US" sz="1000" b="0" i="0" u="none" strike="noStrike" kern="1200" cap="none" spc="0" normalizeH="0" baseline="0" noProof="0" dirty="0" smtClean="0">
+                        <a:rPr kumimoji="0" lang="ko-KR" altLang="en-US" sz="1000" b="0" i="0" u="none" strike="noStrike" kern="1200" cap="none" spc="0" normalizeH="0" baseline="0" noProof="0" dirty="0">
                           <a:ln>
                             <a:noFill/>
                           </a:ln>
@@ -6624,20 +6457,6 @@
                         </a:rPr>
                         <a:t>및 디자인</a:t>
                       </a:r>
-                      <a:endParaRPr kumimoji="0" lang="ko-KR" altLang="en-US" sz="1000" b="0" i="0" u="none" strike="noStrike" kern="1200" cap="none" spc="0" normalizeH="0" baseline="0" noProof="0" dirty="0">
-                        <a:ln>
-                          <a:noFill/>
-                        </a:ln>
-                        <a:solidFill>
-                          <a:schemeClr val="bg1"/>
-                        </a:solidFill>
-                        <a:effectLst/>
-                        <a:uLnTx/>
-                        <a:uFillTx/>
-                        <a:latin typeface="+mn-lt"/>
-                        <a:ea typeface="+mn-ea"/>
-                        <a:cs typeface="+mn-cs"/>
-                      </a:endParaRPr>
                     </a:p>
                   </a:txBody>
                   <a:tcPr marL="252000" anchor="ctr">
@@ -6702,7 +6521,7 @@
                     <a:p>
                       <a:pPr algn="ctr" latinLnBrk="1"/>
                       <a:r>
-                        <a:rPr lang="en-US" altLang="ko-KR" sz="1400" dirty="0" smtClean="0">
+                        <a:rPr lang="en-US" altLang="ko-KR" sz="1400" dirty="0">
                           <a:solidFill>
                             <a:schemeClr val="bg1"/>
                           </a:solidFill>
@@ -6710,18 +6529,13 @@
                         <a:t>6</a:t>
                       </a:r>
                       <a:r>
-                        <a:rPr lang="ko-KR" altLang="en-US" sz="1400" dirty="0" smtClean="0">
+                        <a:rPr lang="ko-KR" altLang="en-US" sz="1400" dirty="0">
                           <a:solidFill>
                             <a:schemeClr val="bg1"/>
                           </a:solidFill>
                         </a:rPr>
                         <a:t>주차</a:t>
                       </a:r>
-                      <a:endParaRPr lang="ko-KR" altLang="en-US" sz="1400" dirty="0">
-                        <a:solidFill>
-                          <a:schemeClr val="bg1"/>
-                        </a:solidFill>
-                      </a:endParaRPr>
                     </a:p>
                   </a:txBody>
                   <a:tcPr anchor="ctr">
@@ -6795,7 +6609,7 @@
                         <a:defRPr/>
                       </a:pPr>
                       <a:r>
-                        <a:rPr kumimoji="0" lang="ko-KR" altLang="en-US" sz="1000" b="0" i="0" u="none" strike="noStrike" kern="1200" cap="none" spc="0" normalizeH="0" baseline="0" noProof="0" dirty="0" smtClean="0">
+                        <a:rPr kumimoji="0" lang="ko-KR" altLang="en-US" sz="1000" b="0" i="0" u="none" strike="noStrike" kern="1200" cap="none" spc="0" normalizeH="0" baseline="0" noProof="0" dirty="0">
                           <a:ln>
                             <a:noFill/>
                           </a:ln>
@@ -6811,20 +6625,6 @@
                         </a:rPr>
                         <a:t>버그 수정 및 마무리</a:t>
                       </a:r>
-                      <a:endParaRPr kumimoji="0" lang="ko-KR" altLang="en-US" sz="1000" b="0" i="0" u="none" strike="noStrike" kern="1200" cap="none" spc="0" normalizeH="0" baseline="0" noProof="0" dirty="0">
-                        <a:ln>
-                          <a:noFill/>
-                        </a:ln>
-                        <a:solidFill>
-                          <a:schemeClr val="bg1"/>
-                        </a:solidFill>
-                        <a:effectLst/>
-                        <a:uLnTx/>
-                        <a:uFillTx/>
-                        <a:latin typeface="+mn-lt"/>
-                        <a:ea typeface="+mn-ea"/>
-                        <a:cs typeface="+mn-cs"/>
-                      </a:endParaRPr>
                     </a:p>
                   </a:txBody>
                   <a:tcPr marL="252000" anchor="ctr">
@@ -6894,7 +6694,7 @@
         <p:spPr>
           <a:xfrm>
             <a:off x="4103981" y="6035040"/>
-            <a:ext cx="7217954" cy="246221"/>
+            <a:ext cx="7217954" cy="400110"/>
           </a:xfrm>
           <a:prstGeom prst="rect">
             <a:avLst/>
@@ -6908,7 +6708,7 @@
           <a:lstStyle/>
           <a:p>
             <a:r>
-              <a:rPr lang="en-US" altLang="ko-KR" sz="1000" dirty="0" smtClean="0">
+              <a:rPr lang="en-US" altLang="ko-KR" sz="1000" dirty="0">
                 <a:solidFill>
                   <a:schemeClr val="bg1"/>
                 </a:solidFill>
@@ -6916,7 +6716,7 @@
               <a:t>※10/26</a:t>
             </a:r>
             <a:r>
-              <a:rPr lang="ko-KR" altLang="en-US" sz="1000" dirty="0" smtClean="0">
+              <a:rPr lang="ko-KR" altLang="en-US" sz="1000" dirty="0">
                 <a:solidFill>
                   <a:schemeClr val="bg1"/>
                 </a:solidFill>
@@ -6924,7 +6724,7 @@
               <a:t>일이 시작되는 주부터 </a:t>
             </a:r>
             <a:r>
-              <a:rPr lang="en-US" altLang="ko-KR" sz="1000" dirty="0" smtClean="0">
+              <a:rPr lang="en-US" altLang="ko-KR" sz="1000" dirty="0">
                 <a:solidFill>
                   <a:schemeClr val="bg1"/>
                 </a:solidFill>
@@ -6932,7 +6732,7 @@
               <a:t>1</a:t>
             </a:r>
             <a:r>
-              <a:rPr lang="ko-KR" altLang="en-US" sz="1000" dirty="0" smtClean="0">
+              <a:rPr lang="ko-KR" altLang="en-US" sz="1000" dirty="0">
                 <a:solidFill>
                   <a:schemeClr val="bg1"/>
                 </a:solidFill>
@@ -6940,12 +6740,47 @@
               <a:t>주차로 가정한다</a:t>
             </a:r>
             <a:r>
-              <a:rPr lang="en-US" altLang="ko-KR" sz="1000" dirty="0" smtClean="0">
+              <a:rPr lang="en-US" altLang="ko-KR" sz="1000" dirty="0">
                 <a:solidFill>
                   <a:schemeClr val="bg1"/>
                 </a:solidFill>
               </a:rPr>
               <a:t>.</a:t>
+            </a:r>
+          </a:p>
+          <a:p>
+            <a:r>
+              <a:rPr lang="en-US" altLang="ko-KR" sz="1000" dirty="0">
+                <a:solidFill>
+                  <a:schemeClr val="bg1"/>
+                </a:solidFill>
+              </a:rPr>
+              <a:t>Git </a:t>
+            </a:r>
+            <a:r>
+              <a:rPr lang="ko-KR" altLang="en-US" sz="1000" dirty="0">
+                <a:solidFill>
+                  <a:schemeClr val="bg1"/>
+                </a:solidFill>
+              </a:rPr>
+              <a:t>주소 </a:t>
+            </a:r>
+            <a:r>
+              <a:rPr lang="en-US" altLang="ko-KR" sz="1000">
+                <a:solidFill>
+                  <a:schemeClr val="bg1"/>
+                </a:solidFill>
+              </a:rPr>
+              <a:t>: </a:t>
+            </a:r>
+            <a:r>
+              <a:rPr lang="en-US" altLang="ko-KR" sz="1000">
+                <a:solidFill>
+                  <a:schemeClr val="bg1"/>
+                </a:solidFill>
+                <a:hlinkClick r:id="rId2"/>
+              </a:rPr>
+              <a:t>https://github.com/joon-so/GameEngine2_Project</a:t>
             </a:r>
             <a:endParaRPr lang="ko-KR" altLang="en-US" sz="1000" dirty="0">
               <a:solidFill>
